--- a/Visual Interface for Wi-Fi Networks Monitoring.pptx
+++ b/Visual Interface for Wi-Fi Networks Monitoring.pptx
@@ -3071,7 +3071,7 @@
           <a:p>
             <a:fld id="{5D2BE7B5-0CC8-E640-839D-3AC96ED165EE}" type="datetime1">
               <a:rPr lang="es-ES" smtClean="0"/>
-              <a:t>08/07/14</a:t>
+              <a:t>14/07/14</a:t>
             </a:fld>
             <a:endParaRPr lang="es-ES"/>
           </a:p>
@@ -3237,7 +3237,7 @@
           <a:p>
             <a:fld id="{45BE6F99-69C6-DD43-BA65-30F8C6A75028}" type="datetime1">
               <a:rPr lang="es-ES" smtClean="0"/>
-              <a:t>08/07/14</a:t>
+              <a:t>14/07/14</a:t>
             </a:fld>
             <a:endParaRPr lang="es-ES"/>
           </a:p>
@@ -5437,7 +5437,7 @@
           <a:p>
             <a:fld id="{E9E7B974-6AD4-254C-BAD2-F8B687137264}" type="datetime1">
               <a:rPr lang="es-ES" smtClean="0"/>
-              <a:t>08/07/14</a:t>
+              <a:t>14/07/14</a:t>
             </a:fld>
             <a:endParaRPr lang="es-ES"/>
           </a:p>
@@ -5702,7 +5702,7 @@
           <a:p>
             <a:fld id="{49D42640-6492-BC43-AC7B-C8B52E8E59E1}" type="datetime1">
               <a:rPr lang="es-ES" smtClean="0"/>
-              <a:t>08/07/14</a:t>
+              <a:t>14/07/14</a:t>
             </a:fld>
             <a:endParaRPr lang="es-ES"/>
           </a:p>
@@ -5877,7 +5877,7 @@
           <a:p>
             <a:fld id="{0840ECEF-5EC8-E94F-82E0-7C4E5B843C42}" type="datetime1">
               <a:rPr lang="es-ES" smtClean="0"/>
-              <a:t>08/07/14</a:t>
+              <a:t>14/07/14</a:t>
             </a:fld>
             <a:endParaRPr lang="es-ES"/>
           </a:p>
@@ -6042,7 +6042,7 @@
           <a:p>
             <a:fld id="{1DCECDC0-8B7F-A24B-BF29-D0D758B58161}" type="datetime1">
               <a:rPr lang="es-ES" smtClean="0"/>
-              <a:t>08/07/14</a:t>
+              <a:t>14/07/14</a:t>
             </a:fld>
             <a:endParaRPr lang="es-ES"/>
           </a:p>
@@ -6291,7 +6291,7 @@
           <a:p>
             <a:fld id="{08D433B0-0E91-9743-B410-10215D12BBDE}" type="datetime1">
               <a:rPr lang="es-ES" smtClean="0"/>
-              <a:t>08/07/14</a:t>
+              <a:t>14/07/14</a:t>
             </a:fld>
             <a:endParaRPr lang="es-ES"/>
           </a:p>
@@ -6574,7 +6574,7 @@
           <a:p>
             <a:fld id="{61C7970D-D33D-7F45-8DA6-E9811A51653A}" type="datetime1">
               <a:rPr lang="es-ES" smtClean="0"/>
-              <a:t>08/07/14</a:t>
+              <a:t>14/07/14</a:t>
             </a:fld>
             <a:endParaRPr lang="es-ES"/>
           </a:p>
@@ -7013,7 +7013,7 @@
           <a:p>
             <a:fld id="{0EB52A7C-76E2-5942-A0FD-FE924A69DAB5}" type="datetime1">
               <a:rPr lang="es-ES" smtClean="0"/>
-              <a:t>08/07/14</a:t>
+              <a:t>14/07/14</a:t>
             </a:fld>
             <a:endParaRPr lang="es-ES"/>
           </a:p>
@@ -7126,7 +7126,7 @@
           <a:p>
             <a:fld id="{169B9C95-BB09-284D-BFB9-FA4291B19755}" type="datetime1">
               <a:rPr lang="es-ES" smtClean="0"/>
-              <a:t>08/07/14</a:t>
+              <a:t>14/07/14</a:t>
             </a:fld>
             <a:endParaRPr lang="es-ES"/>
           </a:p>
@@ -7216,7 +7216,7 @@
           <a:p>
             <a:fld id="{79227ED2-2482-AC4E-AB24-8F4AB5EAF50A}" type="datetime1">
               <a:rPr lang="es-ES" smtClean="0"/>
-              <a:t>08/07/14</a:t>
+              <a:t>14/07/14</a:t>
             </a:fld>
             <a:endParaRPr lang="es-ES"/>
           </a:p>
@@ -7458,7 +7458,7 @@
           <a:p>
             <a:fld id="{9E82CBB3-45FF-AC4D-A93E-C5A791800680}" type="datetime1">
               <a:rPr lang="es-ES" smtClean="0"/>
-              <a:t>08/07/14</a:t>
+              <a:t>14/07/14</a:t>
             </a:fld>
             <a:endParaRPr lang="es-ES"/>
           </a:p>
@@ -7752,7 +7752,7 @@
           <a:p>
             <a:fld id="{3AF3B877-52AA-6B4A-920F-D87D5F30D4DE}" type="datetime1">
               <a:rPr lang="es-ES" smtClean="0"/>
-              <a:t>08/07/14</a:t>
+              <a:t>14/07/14</a:t>
             </a:fld>
             <a:endParaRPr lang="es-ES"/>
           </a:p>
@@ -8046,7 +8046,7 @@
           <a:p>
             <a:fld id="{6A4D9BCB-7831-A34F-A776-8A4F523CF173}" type="datetime1">
               <a:rPr lang="es-ES" smtClean="0"/>
-              <a:t>08/07/14</a:t>
+              <a:t>14/07/14</a:t>
             </a:fld>
             <a:endParaRPr lang="es-ES"/>
           </a:p>
@@ -12329,7 +12329,7 @@
         <p:spPr>
           <a:xfrm>
             <a:off x="4567996" y="2254672"/>
-            <a:ext cx="4045027" cy="1769715"/>
+            <a:ext cx="4045027" cy="1985159"/>
           </a:xfrm>
           <a:prstGeom prst="rect">
             <a:avLst/>
@@ -12395,7 +12395,23 @@
                   <a:srgbClr val="000000"/>
                 </a:solidFill>
               </a:rPr>
-              <a:t>Data: 45 Documents</a:t>
+              <a:t>Resume</a:t>
+            </a:r>
+            <a:r>
+              <a:rPr lang="en-GB" sz="2000" dirty="0" smtClean="0">
+                <a:solidFill>
+                  <a:srgbClr val="000000"/>
+                </a:solidFill>
+              </a:rPr>
+              <a:t>: </a:t>
+            </a:r>
+            <a:r>
+              <a:rPr lang="en-GB" sz="2000" dirty="0" smtClean="0">
+                <a:solidFill>
+                  <a:srgbClr val="000000"/>
+                </a:solidFill>
+              </a:rPr>
+              <a:t>45 Documents</a:t>
             </a:r>
             <a:endParaRPr lang="en-GB" sz="2000" dirty="0" smtClean="0"/>
           </a:p>
@@ -12412,12 +12428,20 @@
               <a:buChar char="q"/>
             </a:pPr>
             <a:r>
+              <a:rPr lang="en-GB" sz="2000" dirty="0">
+                <a:solidFill>
+                  <a:srgbClr val="000000"/>
+                </a:solidFill>
+              </a:rPr>
+              <a:t>Data: </a:t>
+            </a:r>
+            <a:r>
               <a:rPr lang="en-GB" sz="2000" dirty="0" smtClean="0">
                 <a:solidFill>
                   <a:srgbClr val="000000"/>
                 </a:solidFill>
               </a:rPr>
-              <a:t>Resume: + 19.766 Documents</a:t>
+              <a:t>+ 19.766 Documents</a:t>
             </a:r>
             <a:endParaRPr lang="en-GB" sz="2000" dirty="0">
               <a:solidFill>
@@ -14443,11 +14467,7 @@
             </a:r>
             <a:r>
               <a:rPr lang="de-DE" sz="3200" dirty="0" smtClean="0"/>
-              <a:t>)</a:t>
-            </a:r>
-            <a:r>
-              <a:rPr lang="de-DE" sz="3200" dirty="0" smtClean="0"/>
-              <a:t>:</a:t>
+              <a:t>):</a:t>
             </a:r>
           </a:p>
           <a:p>
@@ -14530,7 +14550,6 @@
               <a:rPr lang="de-DE" sz="3200" dirty="0" smtClean="0"/>
               <a:t> </a:t>
             </a:r>
-            <a:endParaRPr lang="de-DE" sz="3200" dirty="0" smtClean="0"/>
           </a:p>
           <a:p>
             <a:endParaRPr lang="es-ES" dirty="0"/>
